--- a/topic-1/talk-1/intro.pptx
+++ b/topic-1/talk-1/intro.pptx
@@ -112,6 +112,11 @@
       </a:defRPr>
     </a:lvl9pPr>
   </p:defaultTextStyle>
+  <p:extLst>
+    <p:ext uri="{EFAFB233-063F-42B5-8137-9DF3F51BA10A}">
+      <p15:sldGuideLst xmlns:p15="http://schemas.microsoft.com/office/powerpoint/2012/main"/>
+    </p:ext>
+  </p:extLst>
 </p:presentation>
 </file>
 
@@ -2421,7 +2426,7 @@
           </a:pPr>
           <a:r>
             <a:rPr lang="en-IE" dirty="0"/>
-            <a:t>Submit mid/end August.</a:t>
+            <a:t>Submit August.</a:t>
           </a:r>
           <a:endParaRPr lang="en-US" dirty="0"/>
         </a:p>
@@ -3563,7 +3568,7 @@
           </a:pPr>
           <a:r>
             <a:rPr lang="en-IE" sz="2000" kern="1200" dirty="0"/>
-            <a:t>Submit mid/end August.</a:t>
+            <a:t>Submit August.</a:t>
           </a:r>
           <a:endParaRPr lang="en-US" sz="2000" kern="1200" dirty="0"/>
         </a:p>
@@ -6247,7 +6252,7 @@
           <a:p>
             <a:fld id="{7FA44F20-A97B-47AA-A242-987ACB3E7403}" type="datetimeFigureOut">
               <a:rPr lang="en-IE" smtClean="0"/>
-              <a:t>11/01/2024</a:t>
+              <a:t>12/01/2024</a:t>
             </a:fld>
             <a:endParaRPr lang="en-IE"/>
           </a:p>
@@ -6447,7 +6452,7 @@
           <a:p>
             <a:fld id="{7FA44F20-A97B-47AA-A242-987ACB3E7403}" type="datetimeFigureOut">
               <a:rPr lang="en-IE" smtClean="0"/>
-              <a:t>11/01/2024</a:t>
+              <a:t>12/01/2024</a:t>
             </a:fld>
             <a:endParaRPr lang="en-IE"/>
           </a:p>
@@ -6657,7 +6662,7 @@
           <a:p>
             <a:fld id="{7FA44F20-A97B-47AA-A242-987ACB3E7403}" type="datetimeFigureOut">
               <a:rPr lang="en-IE" smtClean="0"/>
-              <a:t>11/01/2024</a:t>
+              <a:t>12/01/2024</a:t>
             </a:fld>
             <a:endParaRPr lang="en-IE"/>
           </a:p>
@@ -6857,7 +6862,7 @@
           <a:p>
             <a:fld id="{7FA44F20-A97B-47AA-A242-987ACB3E7403}" type="datetimeFigureOut">
               <a:rPr lang="en-IE" smtClean="0"/>
-              <a:t>11/01/2024</a:t>
+              <a:t>12/01/2024</a:t>
             </a:fld>
             <a:endParaRPr lang="en-IE"/>
           </a:p>
@@ -7133,7 +7138,7 @@
           <a:p>
             <a:fld id="{7FA44F20-A97B-47AA-A242-987ACB3E7403}" type="datetimeFigureOut">
               <a:rPr lang="en-IE" smtClean="0"/>
-              <a:t>11/01/2024</a:t>
+              <a:t>12/01/2024</a:t>
             </a:fld>
             <a:endParaRPr lang="en-IE"/>
           </a:p>
@@ -7401,7 +7406,7 @@
           <a:p>
             <a:fld id="{7FA44F20-A97B-47AA-A242-987ACB3E7403}" type="datetimeFigureOut">
               <a:rPr lang="en-IE" smtClean="0"/>
-              <a:t>11/01/2024</a:t>
+              <a:t>12/01/2024</a:t>
             </a:fld>
             <a:endParaRPr lang="en-IE"/>
           </a:p>
@@ -7816,7 +7821,7 @@
           <a:p>
             <a:fld id="{7FA44F20-A97B-47AA-A242-987ACB3E7403}" type="datetimeFigureOut">
               <a:rPr lang="en-IE" smtClean="0"/>
-              <a:t>11/01/2024</a:t>
+              <a:t>12/01/2024</a:t>
             </a:fld>
             <a:endParaRPr lang="en-IE"/>
           </a:p>
@@ -7958,7 +7963,7 @@
           <a:p>
             <a:fld id="{7FA44F20-A97B-47AA-A242-987ACB3E7403}" type="datetimeFigureOut">
               <a:rPr lang="en-IE" smtClean="0"/>
-              <a:t>11/01/2024</a:t>
+              <a:t>12/01/2024</a:t>
             </a:fld>
             <a:endParaRPr lang="en-IE"/>
           </a:p>
@@ -8071,7 +8076,7 @@
           <a:p>
             <a:fld id="{7FA44F20-A97B-47AA-A242-987ACB3E7403}" type="datetimeFigureOut">
               <a:rPr lang="en-IE" smtClean="0"/>
-              <a:t>11/01/2024</a:t>
+              <a:t>12/01/2024</a:t>
             </a:fld>
             <a:endParaRPr lang="en-IE"/>
           </a:p>
@@ -8384,7 +8389,7 @@
           <a:p>
             <a:fld id="{7FA44F20-A97B-47AA-A242-987ACB3E7403}" type="datetimeFigureOut">
               <a:rPr lang="en-IE" smtClean="0"/>
-              <a:t>11/01/2024</a:t>
+              <a:t>12/01/2024</a:t>
             </a:fld>
             <a:endParaRPr lang="en-IE"/>
           </a:p>
@@ -8673,7 +8678,7 @@
           <a:p>
             <a:fld id="{7FA44F20-A97B-47AA-A242-987ACB3E7403}" type="datetimeFigureOut">
               <a:rPr lang="en-IE" smtClean="0"/>
-              <a:t>11/01/2024</a:t>
+              <a:t>12/01/2024</a:t>
             </a:fld>
             <a:endParaRPr lang="en-IE"/>
           </a:p>
@@ -8916,7 +8921,7 @@
           <a:p>
             <a:fld id="{7FA44F20-A97B-47AA-A242-987ACB3E7403}" type="datetimeFigureOut">
               <a:rPr lang="en-IE" smtClean="0"/>
-              <a:t>11/01/2024</a:t>
+              <a:t>12/01/2024</a:t>
             </a:fld>
             <a:endParaRPr lang="en-IE"/>
           </a:p>
@@ -11110,8 +11115,8 @@
           </a:p>
         </p:txBody>
       </p:sp>
-      <mc:AlternateContent xmlns:mc="http://schemas.openxmlformats.org/markup-compatibility/2006">
-        <mc:Choice xmlns:p14="http://schemas.microsoft.com/office/powerpoint/2010/main" Requires="p14">
+      <mc:AlternateContent xmlns:mc="http://schemas.openxmlformats.org/markup-compatibility/2006" xmlns:p14="http://schemas.microsoft.com/office/powerpoint/2010/main">
+        <mc:Choice Requires="p14">
           <p:contentPart p14:bwMode="auto" r:id="rId4">
             <p14:nvContentPartPr>
               <p14:cNvPr id="7" name="Ink 6">
@@ -11130,7 +11135,7 @@
             </p14:xfrm>
           </p:contentPart>
         </mc:Choice>
-        <mc:Fallback>
+        <mc:Fallback xmlns="">
           <p:pic>
             <p:nvPicPr>
               <p:cNvPr id="7" name="Ink 6">
@@ -11824,7 +11829,7 @@
           <p:nvPr>
             <p:extLst>
               <p:ext uri="{D42A27DB-BD31-4B8C-83A1-F6EECF244321}">
-                <p14:modId xmlns:p14="http://schemas.microsoft.com/office/powerpoint/2010/main" val="1338307658"/>
+                <p14:modId xmlns:p14="http://schemas.microsoft.com/office/powerpoint/2010/main" val="4034365254"/>
               </p:ext>
             </p:extLst>
           </p:nvPr>

--- a/topic-1/talk-1/intro.pptx
+++ b/topic-1/talk-1/intro.pptx
@@ -6252,7 +6252,7 @@
           <a:p>
             <a:fld id="{7FA44F20-A97B-47AA-A242-987ACB3E7403}" type="datetimeFigureOut">
               <a:rPr lang="en-IE" smtClean="0"/>
-              <a:t>12/01/2024</a:t>
+              <a:t>09/01/2025</a:t>
             </a:fld>
             <a:endParaRPr lang="en-IE"/>
           </a:p>
@@ -6452,7 +6452,7 @@
           <a:p>
             <a:fld id="{7FA44F20-A97B-47AA-A242-987ACB3E7403}" type="datetimeFigureOut">
               <a:rPr lang="en-IE" smtClean="0"/>
-              <a:t>12/01/2024</a:t>
+              <a:t>09/01/2025</a:t>
             </a:fld>
             <a:endParaRPr lang="en-IE"/>
           </a:p>
@@ -6662,7 +6662,7 @@
           <a:p>
             <a:fld id="{7FA44F20-A97B-47AA-A242-987ACB3E7403}" type="datetimeFigureOut">
               <a:rPr lang="en-IE" smtClean="0"/>
-              <a:t>12/01/2024</a:t>
+              <a:t>09/01/2025</a:t>
             </a:fld>
             <a:endParaRPr lang="en-IE"/>
           </a:p>
@@ -6862,7 +6862,7 @@
           <a:p>
             <a:fld id="{7FA44F20-A97B-47AA-A242-987ACB3E7403}" type="datetimeFigureOut">
               <a:rPr lang="en-IE" smtClean="0"/>
-              <a:t>12/01/2024</a:t>
+              <a:t>09/01/2025</a:t>
             </a:fld>
             <a:endParaRPr lang="en-IE"/>
           </a:p>
@@ -7138,7 +7138,7 @@
           <a:p>
             <a:fld id="{7FA44F20-A97B-47AA-A242-987ACB3E7403}" type="datetimeFigureOut">
               <a:rPr lang="en-IE" smtClean="0"/>
-              <a:t>12/01/2024</a:t>
+              <a:t>09/01/2025</a:t>
             </a:fld>
             <a:endParaRPr lang="en-IE"/>
           </a:p>
@@ -7406,7 +7406,7 @@
           <a:p>
             <a:fld id="{7FA44F20-A97B-47AA-A242-987ACB3E7403}" type="datetimeFigureOut">
               <a:rPr lang="en-IE" smtClean="0"/>
-              <a:t>12/01/2024</a:t>
+              <a:t>09/01/2025</a:t>
             </a:fld>
             <a:endParaRPr lang="en-IE"/>
           </a:p>
@@ -7821,7 +7821,7 @@
           <a:p>
             <a:fld id="{7FA44F20-A97B-47AA-A242-987ACB3E7403}" type="datetimeFigureOut">
               <a:rPr lang="en-IE" smtClean="0"/>
-              <a:t>12/01/2024</a:t>
+              <a:t>09/01/2025</a:t>
             </a:fld>
             <a:endParaRPr lang="en-IE"/>
           </a:p>
@@ -7963,7 +7963,7 @@
           <a:p>
             <a:fld id="{7FA44F20-A97B-47AA-A242-987ACB3E7403}" type="datetimeFigureOut">
               <a:rPr lang="en-IE" smtClean="0"/>
-              <a:t>12/01/2024</a:t>
+              <a:t>09/01/2025</a:t>
             </a:fld>
             <a:endParaRPr lang="en-IE"/>
           </a:p>
@@ -8076,7 +8076,7 @@
           <a:p>
             <a:fld id="{7FA44F20-A97B-47AA-A242-987ACB3E7403}" type="datetimeFigureOut">
               <a:rPr lang="en-IE" smtClean="0"/>
-              <a:t>12/01/2024</a:t>
+              <a:t>09/01/2025</a:t>
             </a:fld>
             <a:endParaRPr lang="en-IE"/>
           </a:p>
@@ -8389,7 +8389,7 @@
           <a:p>
             <a:fld id="{7FA44F20-A97B-47AA-A242-987ACB3E7403}" type="datetimeFigureOut">
               <a:rPr lang="en-IE" smtClean="0"/>
-              <a:t>12/01/2024</a:t>
+              <a:t>09/01/2025</a:t>
             </a:fld>
             <a:endParaRPr lang="en-IE"/>
           </a:p>
@@ -8678,7 +8678,7 @@
           <a:p>
             <a:fld id="{7FA44F20-A97B-47AA-A242-987ACB3E7403}" type="datetimeFigureOut">
               <a:rPr lang="en-IE" smtClean="0"/>
-              <a:t>12/01/2024</a:t>
+              <a:t>09/01/2025</a:t>
             </a:fld>
             <a:endParaRPr lang="en-IE"/>
           </a:p>
@@ -8921,7 +8921,7 @@
           <a:p>
             <a:fld id="{7FA44F20-A97B-47AA-A242-987ACB3E7403}" type="datetimeFigureOut">
               <a:rPr lang="en-IE" smtClean="0"/>
-              <a:t>12/01/2024</a:t>
+              <a:t>09/01/2025</a:t>
             </a:fld>
             <a:endParaRPr lang="en-IE"/>
           </a:p>
@@ -9418,13 +9418,13 @@
           <a:p>
             <a:r>
               <a:rPr lang="en-IE" i="1" dirty="0"/>
-              <a:t>Frank Walsh, Diarmuid O’Connor</a:t>
+              <a:t>Frank Walsh</a:t>
             </a:r>
           </a:p>
           <a:p>
             <a:r>
               <a:rPr lang="en-IE" i="1" dirty="0"/>
-              <a:t>Jan 2024</a:t>
+              <a:t>Jan 2025</a:t>
             </a:r>
           </a:p>
         </p:txBody>
